--- a/Mavericks_Presentation.pptx
+++ b/Mavericks_Presentation.pptx
@@ -6,6 +6,16 @@
   </p:sldMasterIdLst>
   <p:sldIdLst>
     <p:sldId id="256" r:id="rId2"/>
+    <p:sldId id="257" r:id="rId3"/>
+    <p:sldId id="258" r:id="rId4"/>
+    <p:sldId id="259" r:id="rId5"/>
+    <p:sldId id="260" r:id="rId6"/>
+    <p:sldId id="261" r:id="rId7"/>
+    <p:sldId id="262" r:id="rId8"/>
+    <p:sldId id="263" r:id="rId9"/>
+    <p:sldId id="264" r:id="rId10"/>
+    <p:sldId id="265" r:id="rId11"/>
+    <p:sldId id="266" r:id="rId12"/>
   </p:sldIdLst>
   <p:sldSz cx="12192000" cy="6858000"/>
   <p:notesSz cx="6858000" cy="9144000"/>
@@ -104,6 +114,11 @@
       </a:defRPr>
     </a:lvl9pPr>
   </p:defaultTextStyle>
+  <p:extLst>
+    <p:ext uri="{EFAFB233-063F-42B5-8137-9DF3F51BA10A}">
+      <p15:sldGuideLst xmlns:p15="http://schemas.microsoft.com/office/powerpoint/2012/main"/>
+    </p:ext>
+  </p:extLst>
 </p:presentation>
 </file>
 
@@ -3004,31 +3019,78 @@
             <p:ph type="ctrTitle"/>
           </p:nvPr>
         </p:nvSpPr>
-        <p:spPr/>
-        <p:txBody>
-          <a:bodyPr/>
-          <a:lstStyle/>
-          <a:p>
-            <a:endParaRPr lang="en-US"/>
-          </a:p>
-        </p:txBody>
-      </p:sp>
-      <p:sp>
-        <p:nvSpPr>
-          <p:cNvPr id="3" name="Subtitle 2"/>
-          <p:cNvSpPr>
-            <a:spLocks noGrp="1"/>
-          </p:cNvSpPr>
-          <p:nvPr>
-            <p:ph type="subTitle" idx="1"/>
-          </p:nvPr>
-        </p:nvSpPr>
-        <p:spPr/>
-        <p:txBody>
-          <a:bodyPr/>
-          <a:lstStyle/>
-          <a:p>
-            <a:endParaRPr lang="en-US"/>
+        <p:spPr>
+          <a:xfrm>
+            <a:off x="1524000" y="1122362"/>
+            <a:ext cx="9144000" cy="4516438"/>
+          </a:xfrm>
+          <a:solidFill>
+            <a:schemeClr val="accent1">
+              <a:lumMod val="50000"/>
+              <a:alpha val="90000"/>
+            </a:schemeClr>
+          </a:solidFill>
+          <a:effectLst>
+            <a:softEdge rad="31750"/>
+          </a:effectLst>
+        </p:spPr>
+        <p:txBody>
+          <a:bodyPr>
+            <a:normAutofit/>
+          </a:bodyPr>
+          <a:lstStyle/>
+          <a:p>
+            <a:r>
+              <a:rPr lang="en-US" sz="8000" b="1" smtClean="0">
+                <a:solidFill>
+                  <a:schemeClr val="bg1"/>
+                </a:solidFill>
+              </a:rPr>
+              <a:t>Mavericks</a:t>
+            </a:r>
+            <a:r>
+              <a:rPr lang="en-US" sz="8000" b="1" dirty="0" smtClean="0">
+                <a:solidFill>
+                  <a:schemeClr val="bg1"/>
+                </a:solidFill>
+              </a:rPr>
+              <a:t/>
+            </a:r>
+            <a:br>
+              <a:rPr lang="en-US" sz="8000" b="1" dirty="0" smtClean="0">
+                <a:solidFill>
+                  <a:schemeClr val="bg1"/>
+                </a:solidFill>
+              </a:rPr>
+            </a:br>
+            <a:r>
+              <a:rPr lang="en-US" sz="3300" b="1" dirty="0" smtClean="0">
+                <a:solidFill>
+                  <a:schemeClr val="bg1"/>
+                </a:solidFill>
+              </a:rPr>
+              <a:t>Flight Tracking Mobile App</a:t>
+            </a:r>
+            <a:r>
+              <a:rPr lang="en-US" sz="8000" b="1" dirty="0" smtClean="0">
+                <a:solidFill>
+                  <a:schemeClr val="bg1"/>
+                </a:solidFill>
+              </a:rPr>
+              <a:t/>
+            </a:r>
+            <a:br>
+              <a:rPr lang="en-US" sz="8000" b="1" dirty="0" smtClean="0">
+                <a:solidFill>
+                  <a:schemeClr val="bg1"/>
+                </a:solidFill>
+              </a:rPr>
+            </a:br>
+            <a:endParaRPr lang="en-US" sz="8000" b="1" dirty="0">
+              <a:solidFill>
+                <a:schemeClr val="bg1"/>
+              </a:solidFill>
+            </a:endParaRPr>
           </a:p>
         </p:txBody>
       </p:sp>
@@ -3036,6 +3098,1616 @@
     <p:extLst>
       <p:ext uri="{BB962C8B-B14F-4D97-AF65-F5344CB8AC3E}">
         <p14:creationId xmlns:p14="http://schemas.microsoft.com/office/powerpoint/2010/main" val="387285125"/>
+      </p:ext>
+    </p:extLst>
+  </p:cSld>
+  <p:clrMapOvr>
+    <a:masterClrMapping/>
+  </p:clrMapOvr>
+</p:sld>
+</file>
+
+<file path=ppt/slides/slide10.xml><?xml version="1.0" encoding="utf-8"?>
+<p:sld xmlns:a="http://schemas.openxmlformats.org/drawingml/2006/main" xmlns:r="http://schemas.openxmlformats.org/officeDocument/2006/relationships" xmlns:p="http://schemas.openxmlformats.org/presentationml/2006/main">
+  <p:cSld>
+    <p:spTree>
+      <p:nvGrpSpPr>
+        <p:cNvPr id="1" name=""/>
+        <p:cNvGrpSpPr/>
+        <p:nvPr/>
+      </p:nvGrpSpPr>
+      <p:grpSpPr>
+        <a:xfrm>
+          <a:off x="0" y="0"/>
+          <a:ext cx="0" cy="0"/>
+          <a:chOff x="0" y="0"/>
+          <a:chExt cx="0" cy="0"/>
+        </a:xfrm>
+      </p:grpSpPr>
+      <p:pic>
+        <p:nvPicPr>
+          <p:cNvPr id="4" name="Picture 3"/>
+          <p:cNvPicPr>
+            <a:picLocks noChangeAspect="1"/>
+          </p:cNvPicPr>
+          <p:nvPr/>
+        </p:nvPicPr>
+        <p:blipFill>
+          <a:blip r:embed="rId2">
+            <a:extLst>
+              <a:ext uri="{28A0092B-C50C-407E-A947-70E740481C1C}">
+                <a14:useLocalDpi xmlns:a14="http://schemas.microsoft.com/office/drawing/2010/main" val="0"/>
+              </a:ext>
+            </a:extLst>
+          </a:blip>
+          <a:stretch>
+            <a:fillRect/>
+          </a:stretch>
+        </p:blipFill>
+        <p:spPr>
+          <a:xfrm>
+            <a:off x="0" y="0"/>
+            <a:ext cx="12192000" cy="6858000"/>
+          </a:xfrm>
+          <a:prstGeom prst="rect">
+            <a:avLst/>
+          </a:prstGeom>
+        </p:spPr>
+      </p:pic>
+      <p:sp>
+        <p:nvSpPr>
+          <p:cNvPr id="2" name="Title 1"/>
+          <p:cNvSpPr>
+            <a:spLocks noGrp="1"/>
+          </p:cNvSpPr>
+          <p:nvPr>
+            <p:ph type="title"/>
+          </p:nvPr>
+        </p:nvSpPr>
+        <p:spPr>
+          <a:solidFill>
+            <a:schemeClr val="accent1">
+              <a:lumMod val="50000"/>
+              <a:alpha val="90000"/>
+            </a:schemeClr>
+          </a:solidFill>
+          <a:effectLst>
+            <a:softEdge rad="31750"/>
+          </a:effectLst>
+        </p:spPr>
+        <p:txBody>
+          <a:bodyPr/>
+          <a:lstStyle/>
+          <a:p>
+            <a:r>
+              <a:rPr lang="en-US" dirty="0" smtClean="0">
+                <a:solidFill>
+                  <a:schemeClr val="bg1"/>
+                </a:solidFill>
+              </a:rPr>
+              <a:t>Q&amp;A</a:t>
+            </a:r>
+            <a:endParaRPr lang="en-US" dirty="0">
+              <a:solidFill>
+                <a:schemeClr val="bg1"/>
+              </a:solidFill>
+            </a:endParaRPr>
+          </a:p>
+        </p:txBody>
+      </p:sp>
+      <p:sp>
+        <p:nvSpPr>
+          <p:cNvPr id="3" name="Content Placeholder 2"/>
+          <p:cNvSpPr>
+            <a:spLocks noGrp="1"/>
+          </p:cNvSpPr>
+          <p:nvPr>
+            <p:ph idx="1"/>
+          </p:nvPr>
+        </p:nvSpPr>
+        <p:spPr>
+          <a:solidFill>
+            <a:schemeClr val="accent1">
+              <a:lumMod val="50000"/>
+              <a:alpha val="91000"/>
+            </a:schemeClr>
+          </a:solidFill>
+          <a:effectLst>
+            <a:softEdge rad="31750"/>
+          </a:effectLst>
+        </p:spPr>
+        <p:txBody>
+          <a:bodyPr/>
+          <a:lstStyle/>
+          <a:p>
+            <a:endParaRPr lang="en-US" dirty="0">
+              <a:solidFill>
+                <a:schemeClr val="bg1"/>
+              </a:solidFill>
+            </a:endParaRPr>
+          </a:p>
+        </p:txBody>
+      </p:sp>
+    </p:spTree>
+    <p:extLst>
+      <p:ext uri="{BB962C8B-B14F-4D97-AF65-F5344CB8AC3E}">
+        <p14:creationId xmlns:p14="http://schemas.microsoft.com/office/powerpoint/2010/main" val="1416858196"/>
+      </p:ext>
+    </p:extLst>
+  </p:cSld>
+  <p:clrMapOvr>
+    <a:masterClrMapping/>
+  </p:clrMapOvr>
+</p:sld>
+</file>
+
+<file path=ppt/slides/slide11.xml><?xml version="1.0" encoding="utf-8"?>
+<p:sld xmlns:a="http://schemas.openxmlformats.org/drawingml/2006/main" xmlns:r="http://schemas.openxmlformats.org/officeDocument/2006/relationships" xmlns:p="http://schemas.openxmlformats.org/presentationml/2006/main">
+  <p:cSld>
+    <p:spTree>
+      <p:nvGrpSpPr>
+        <p:cNvPr id="1" name=""/>
+        <p:cNvGrpSpPr/>
+        <p:nvPr/>
+      </p:nvGrpSpPr>
+      <p:grpSpPr>
+        <a:xfrm>
+          <a:off x="0" y="0"/>
+          <a:ext cx="0" cy="0"/>
+          <a:chOff x="0" y="0"/>
+          <a:chExt cx="0" cy="0"/>
+        </a:xfrm>
+      </p:grpSpPr>
+      <p:pic>
+        <p:nvPicPr>
+          <p:cNvPr id="4" name="Picture 3"/>
+          <p:cNvPicPr>
+            <a:picLocks noChangeAspect="1"/>
+          </p:cNvPicPr>
+          <p:nvPr/>
+        </p:nvPicPr>
+        <p:blipFill>
+          <a:blip r:embed="rId2">
+            <a:extLst>
+              <a:ext uri="{28A0092B-C50C-407E-A947-70E740481C1C}">
+                <a14:useLocalDpi xmlns:a14="http://schemas.microsoft.com/office/drawing/2010/main" val="0"/>
+              </a:ext>
+            </a:extLst>
+          </a:blip>
+          <a:stretch>
+            <a:fillRect/>
+          </a:stretch>
+        </p:blipFill>
+        <p:spPr>
+          <a:xfrm>
+            <a:off x="0" y="0"/>
+            <a:ext cx="12192000" cy="6858000"/>
+          </a:xfrm>
+          <a:prstGeom prst="rect">
+            <a:avLst/>
+          </a:prstGeom>
+        </p:spPr>
+      </p:pic>
+      <p:sp>
+        <p:nvSpPr>
+          <p:cNvPr id="2" name="Title 1"/>
+          <p:cNvSpPr>
+            <a:spLocks noGrp="1"/>
+          </p:cNvSpPr>
+          <p:nvPr>
+            <p:ph type="title"/>
+          </p:nvPr>
+        </p:nvSpPr>
+        <p:spPr>
+          <a:solidFill>
+            <a:schemeClr val="accent1">
+              <a:lumMod val="50000"/>
+              <a:alpha val="90000"/>
+            </a:schemeClr>
+          </a:solidFill>
+          <a:effectLst>
+            <a:softEdge rad="31750"/>
+          </a:effectLst>
+        </p:spPr>
+        <p:txBody>
+          <a:bodyPr/>
+          <a:lstStyle/>
+          <a:p>
+            <a:r>
+              <a:rPr lang="en-US" smtClean="0">
+                <a:solidFill>
+                  <a:schemeClr val="bg1"/>
+                </a:solidFill>
+              </a:rPr>
+              <a:t>Thank you!</a:t>
+            </a:r>
+            <a:endParaRPr lang="en-US" dirty="0">
+              <a:solidFill>
+                <a:schemeClr val="bg1"/>
+              </a:solidFill>
+            </a:endParaRPr>
+          </a:p>
+        </p:txBody>
+      </p:sp>
+      <p:sp>
+        <p:nvSpPr>
+          <p:cNvPr id="3" name="Content Placeholder 2"/>
+          <p:cNvSpPr>
+            <a:spLocks noGrp="1"/>
+          </p:cNvSpPr>
+          <p:nvPr>
+            <p:ph idx="1"/>
+          </p:nvPr>
+        </p:nvSpPr>
+        <p:spPr>
+          <a:solidFill>
+            <a:schemeClr val="accent1">
+              <a:lumMod val="50000"/>
+              <a:alpha val="91000"/>
+            </a:schemeClr>
+          </a:solidFill>
+          <a:effectLst>
+            <a:softEdge rad="31750"/>
+          </a:effectLst>
+        </p:spPr>
+        <p:txBody>
+          <a:bodyPr/>
+          <a:lstStyle/>
+          <a:p>
+            <a:endParaRPr lang="en-US" dirty="0">
+              <a:solidFill>
+                <a:schemeClr val="bg1"/>
+              </a:solidFill>
+            </a:endParaRPr>
+          </a:p>
+        </p:txBody>
+      </p:sp>
+    </p:spTree>
+    <p:extLst>
+      <p:ext uri="{BB962C8B-B14F-4D97-AF65-F5344CB8AC3E}">
+        <p14:creationId xmlns:p14="http://schemas.microsoft.com/office/powerpoint/2010/main" val="1837022236"/>
+      </p:ext>
+    </p:extLst>
+  </p:cSld>
+  <p:clrMapOvr>
+    <a:masterClrMapping/>
+  </p:clrMapOvr>
+</p:sld>
+</file>
+
+<file path=ppt/slides/slide2.xml><?xml version="1.0" encoding="utf-8"?>
+<p:sld xmlns:a="http://schemas.openxmlformats.org/drawingml/2006/main" xmlns:r="http://schemas.openxmlformats.org/officeDocument/2006/relationships" xmlns:p="http://schemas.openxmlformats.org/presentationml/2006/main">
+  <p:cSld>
+    <p:spTree>
+      <p:nvGrpSpPr>
+        <p:cNvPr id="1" name=""/>
+        <p:cNvGrpSpPr/>
+        <p:nvPr/>
+      </p:nvGrpSpPr>
+      <p:grpSpPr>
+        <a:xfrm>
+          <a:off x="0" y="0"/>
+          <a:ext cx="0" cy="0"/>
+          <a:chOff x="0" y="0"/>
+          <a:chExt cx="0" cy="0"/>
+        </a:xfrm>
+      </p:grpSpPr>
+      <p:pic>
+        <p:nvPicPr>
+          <p:cNvPr id="4" name="Picture 3"/>
+          <p:cNvPicPr>
+            <a:picLocks noChangeAspect="1"/>
+          </p:cNvPicPr>
+          <p:nvPr/>
+        </p:nvPicPr>
+        <p:blipFill>
+          <a:blip r:embed="rId2">
+            <a:extLst>
+              <a:ext uri="{28A0092B-C50C-407E-A947-70E740481C1C}">
+                <a14:useLocalDpi xmlns:a14="http://schemas.microsoft.com/office/drawing/2010/main" val="0"/>
+              </a:ext>
+            </a:extLst>
+          </a:blip>
+          <a:stretch>
+            <a:fillRect/>
+          </a:stretch>
+        </p:blipFill>
+        <p:spPr>
+          <a:xfrm>
+            <a:off x="0" y="0"/>
+            <a:ext cx="12192000" cy="6858000"/>
+          </a:xfrm>
+          <a:prstGeom prst="rect">
+            <a:avLst/>
+          </a:prstGeom>
+        </p:spPr>
+      </p:pic>
+      <p:sp>
+        <p:nvSpPr>
+          <p:cNvPr id="2" name="Title 1"/>
+          <p:cNvSpPr>
+            <a:spLocks noGrp="1"/>
+          </p:cNvSpPr>
+          <p:nvPr>
+            <p:ph type="title"/>
+          </p:nvPr>
+        </p:nvSpPr>
+        <p:spPr>
+          <a:solidFill>
+            <a:schemeClr val="accent1">
+              <a:lumMod val="50000"/>
+              <a:alpha val="90000"/>
+            </a:schemeClr>
+          </a:solidFill>
+          <a:effectLst>
+            <a:softEdge rad="31750"/>
+          </a:effectLst>
+        </p:spPr>
+        <p:txBody>
+          <a:bodyPr/>
+          <a:lstStyle/>
+          <a:p>
+            <a:r>
+              <a:rPr lang="en-US" dirty="0" smtClean="0">
+                <a:solidFill>
+                  <a:schemeClr val="bg1"/>
+                </a:solidFill>
+              </a:rPr>
+              <a:t>Meet our team</a:t>
+            </a:r>
+            <a:endParaRPr lang="en-US" dirty="0">
+              <a:solidFill>
+                <a:schemeClr val="bg1"/>
+              </a:solidFill>
+            </a:endParaRPr>
+          </a:p>
+        </p:txBody>
+      </p:sp>
+      <p:sp>
+        <p:nvSpPr>
+          <p:cNvPr id="3" name="Content Placeholder 2"/>
+          <p:cNvSpPr>
+            <a:spLocks noGrp="1"/>
+          </p:cNvSpPr>
+          <p:nvPr>
+            <p:ph idx="1"/>
+          </p:nvPr>
+        </p:nvSpPr>
+        <p:spPr>
+          <a:xfrm>
+            <a:off x="838200" y="1825625"/>
+            <a:ext cx="10515600" cy="2565439"/>
+          </a:xfrm>
+          <a:solidFill>
+            <a:schemeClr val="accent1">
+              <a:lumMod val="50000"/>
+              <a:alpha val="91000"/>
+            </a:schemeClr>
+          </a:solidFill>
+          <a:effectLst>
+            <a:softEdge rad="31750"/>
+          </a:effectLst>
+        </p:spPr>
+        <p:txBody>
+          <a:bodyPr/>
+          <a:lstStyle/>
+          <a:p>
+            <a:r>
+              <a:rPr lang="en-US" dirty="0" err="1" smtClean="0">
+                <a:solidFill>
+                  <a:schemeClr val="bg1"/>
+                </a:solidFill>
+              </a:rPr>
+              <a:t>Aamir</a:t>
+            </a:r>
+            <a:r>
+              <a:rPr lang="en-US" dirty="0" smtClean="0">
+                <a:solidFill>
+                  <a:schemeClr val="bg1"/>
+                </a:solidFill>
+              </a:rPr>
+              <a:t> </a:t>
+            </a:r>
+            <a:r>
+              <a:rPr lang="mr-IN" dirty="0" smtClean="0">
+                <a:solidFill>
+                  <a:schemeClr val="bg1"/>
+                </a:solidFill>
+              </a:rPr>
+              <a:t>–</a:t>
+            </a:r>
+            <a:r>
+              <a:rPr lang="en-US" dirty="0" smtClean="0">
+                <a:solidFill>
+                  <a:schemeClr val="bg1"/>
+                </a:solidFill>
+              </a:rPr>
+              <a:t> SCRUM &amp; Project Manager</a:t>
+            </a:r>
+          </a:p>
+          <a:p>
+            <a:r>
+              <a:rPr lang="en-US" dirty="0" err="1" smtClean="0">
+                <a:solidFill>
+                  <a:schemeClr val="bg1"/>
+                </a:solidFill>
+              </a:rPr>
+              <a:t>Duy</a:t>
+            </a:r>
+            <a:r>
+              <a:rPr lang="en-US" dirty="0" smtClean="0">
+                <a:solidFill>
+                  <a:schemeClr val="bg1"/>
+                </a:solidFill>
+              </a:rPr>
+              <a:t> </a:t>
+            </a:r>
+            <a:r>
+              <a:rPr lang="mr-IN" dirty="0" smtClean="0">
+                <a:solidFill>
+                  <a:schemeClr val="bg1"/>
+                </a:solidFill>
+              </a:rPr>
+              <a:t>–</a:t>
+            </a:r>
+            <a:r>
+              <a:rPr lang="en-US" dirty="0" smtClean="0">
+                <a:solidFill>
+                  <a:schemeClr val="bg1"/>
+                </a:solidFill>
+              </a:rPr>
+              <a:t> Front End</a:t>
+            </a:r>
+          </a:p>
+          <a:p>
+            <a:r>
+              <a:rPr lang="en-US" dirty="0" smtClean="0">
+                <a:solidFill>
+                  <a:schemeClr val="bg1"/>
+                </a:solidFill>
+              </a:rPr>
+              <a:t>Frank </a:t>
+            </a:r>
+            <a:r>
+              <a:rPr lang="mr-IN" dirty="0" smtClean="0">
+                <a:solidFill>
+                  <a:schemeClr val="bg1"/>
+                </a:solidFill>
+              </a:rPr>
+              <a:t>–</a:t>
+            </a:r>
+            <a:r>
+              <a:rPr lang="en-US" dirty="0" smtClean="0">
+                <a:solidFill>
+                  <a:schemeClr val="bg1"/>
+                </a:solidFill>
+              </a:rPr>
+              <a:t> Front End</a:t>
+            </a:r>
+          </a:p>
+          <a:p>
+            <a:r>
+              <a:rPr lang="en-US" dirty="0" err="1" smtClean="0">
+                <a:solidFill>
+                  <a:schemeClr val="bg1"/>
+                </a:solidFill>
+              </a:rPr>
+              <a:t>Firas</a:t>
+            </a:r>
+            <a:r>
+              <a:rPr lang="en-US" dirty="0" smtClean="0">
+                <a:solidFill>
+                  <a:schemeClr val="bg1"/>
+                </a:solidFill>
+              </a:rPr>
+              <a:t> </a:t>
+            </a:r>
+            <a:r>
+              <a:rPr lang="mr-IN" dirty="0" smtClean="0">
+                <a:solidFill>
+                  <a:schemeClr val="bg1"/>
+                </a:solidFill>
+              </a:rPr>
+              <a:t>–</a:t>
+            </a:r>
+            <a:r>
+              <a:rPr lang="en-US" dirty="0" smtClean="0">
+                <a:solidFill>
+                  <a:schemeClr val="bg1"/>
+                </a:solidFill>
+              </a:rPr>
+              <a:t> Back End</a:t>
+            </a:r>
+          </a:p>
+          <a:p>
+            <a:r>
+              <a:rPr lang="en-US" dirty="0" smtClean="0">
+                <a:solidFill>
+                  <a:schemeClr val="bg1"/>
+                </a:solidFill>
+              </a:rPr>
+              <a:t>Jason </a:t>
+            </a:r>
+            <a:r>
+              <a:rPr lang="mr-IN" dirty="0" smtClean="0">
+                <a:solidFill>
+                  <a:schemeClr val="bg1"/>
+                </a:solidFill>
+              </a:rPr>
+              <a:t>–</a:t>
+            </a:r>
+            <a:r>
+              <a:rPr lang="en-US" dirty="0" smtClean="0">
+                <a:solidFill>
+                  <a:schemeClr val="bg1"/>
+                </a:solidFill>
+              </a:rPr>
+              <a:t> Back End</a:t>
+            </a:r>
+            <a:endParaRPr lang="en-US" dirty="0">
+              <a:solidFill>
+                <a:schemeClr val="bg1"/>
+              </a:solidFill>
+            </a:endParaRPr>
+          </a:p>
+        </p:txBody>
+      </p:sp>
+      <p:pic>
+        <p:nvPicPr>
+          <p:cNvPr id="7" name="Content Placeholder 4"/>
+          <p:cNvPicPr>
+            <a:picLocks noChangeAspect="1"/>
+          </p:cNvPicPr>
+          <p:nvPr/>
+        </p:nvPicPr>
+        <p:blipFill rotWithShape="1">
+          <a:blip r:embed="rId3">
+            <a:extLst>
+              <a:ext uri="{28A0092B-C50C-407E-A947-70E740481C1C}">
+                <a14:useLocalDpi xmlns:a14="http://schemas.microsoft.com/office/drawing/2010/main" val="0"/>
+              </a:ext>
+            </a:extLst>
+          </a:blip>
+          <a:srcRect t="43794"/>
+          <a:stretch/>
+        </p:blipFill>
+        <p:spPr>
+          <a:xfrm>
+            <a:off x="838200" y="4758266"/>
+            <a:ext cx="10515600" cy="1732532"/>
+          </a:xfrm>
+          <a:prstGeom prst="rect">
+            <a:avLst/>
+          </a:prstGeom>
+          <a:solidFill>
+            <a:schemeClr val="accent1">
+              <a:lumMod val="50000"/>
+              <a:alpha val="91000"/>
+            </a:schemeClr>
+          </a:solidFill>
+          <a:effectLst>
+            <a:softEdge rad="31750"/>
+          </a:effectLst>
+        </p:spPr>
+      </p:pic>
+    </p:spTree>
+    <p:extLst>
+      <p:ext uri="{BB962C8B-B14F-4D97-AF65-F5344CB8AC3E}">
+        <p14:creationId xmlns:p14="http://schemas.microsoft.com/office/powerpoint/2010/main" val="1451311166"/>
+      </p:ext>
+    </p:extLst>
+  </p:cSld>
+  <p:clrMapOvr>
+    <a:masterClrMapping/>
+  </p:clrMapOvr>
+</p:sld>
+</file>
+
+<file path=ppt/slides/slide3.xml><?xml version="1.0" encoding="utf-8"?>
+<p:sld xmlns:a="http://schemas.openxmlformats.org/drawingml/2006/main" xmlns:r="http://schemas.openxmlformats.org/officeDocument/2006/relationships" xmlns:p="http://schemas.openxmlformats.org/presentationml/2006/main">
+  <p:cSld>
+    <p:spTree>
+      <p:nvGrpSpPr>
+        <p:cNvPr id="1" name=""/>
+        <p:cNvGrpSpPr/>
+        <p:nvPr/>
+      </p:nvGrpSpPr>
+      <p:grpSpPr>
+        <a:xfrm>
+          <a:off x="0" y="0"/>
+          <a:ext cx="0" cy="0"/>
+          <a:chOff x="0" y="0"/>
+          <a:chExt cx="0" cy="0"/>
+        </a:xfrm>
+      </p:grpSpPr>
+      <p:pic>
+        <p:nvPicPr>
+          <p:cNvPr id="4" name="Picture 3"/>
+          <p:cNvPicPr>
+            <a:picLocks noChangeAspect="1"/>
+          </p:cNvPicPr>
+          <p:nvPr/>
+        </p:nvPicPr>
+        <p:blipFill>
+          <a:blip r:embed="rId2">
+            <a:extLst>
+              <a:ext uri="{28A0092B-C50C-407E-A947-70E740481C1C}">
+                <a14:useLocalDpi xmlns:a14="http://schemas.microsoft.com/office/drawing/2010/main" val="0"/>
+              </a:ext>
+            </a:extLst>
+          </a:blip>
+          <a:stretch>
+            <a:fillRect/>
+          </a:stretch>
+        </p:blipFill>
+        <p:spPr>
+          <a:xfrm>
+            <a:off x="0" y="0"/>
+            <a:ext cx="12192000" cy="6858000"/>
+          </a:xfrm>
+          <a:prstGeom prst="rect">
+            <a:avLst/>
+          </a:prstGeom>
+        </p:spPr>
+      </p:pic>
+      <p:sp>
+        <p:nvSpPr>
+          <p:cNvPr id="2" name="Title 1"/>
+          <p:cNvSpPr>
+            <a:spLocks noGrp="1"/>
+          </p:cNvSpPr>
+          <p:nvPr>
+            <p:ph type="title"/>
+          </p:nvPr>
+        </p:nvSpPr>
+        <p:spPr>
+          <a:solidFill>
+            <a:schemeClr val="accent1">
+              <a:lumMod val="50000"/>
+              <a:alpha val="90000"/>
+            </a:schemeClr>
+          </a:solidFill>
+          <a:effectLst>
+            <a:softEdge rad="31750"/>
+          </a:effectLst>
+        </p:spPr>
+        <p:txBody>
+          <a:bodyPr/>
+          <a:lstStyle/>
+          <a:p>
+            <a:r>
+              <a:rPr lang="en-US" dirty="0" smtClean="0">
+                <a:solidFill>
+                  <a:schemeClr val="bg1"/>
+                </a:solidFill>
+              </a:rPr>
+              <a:t>Agenda</a:t>
+            </a:r>
+            <a:endParaRPr lang="en-US" dirty="0">
+              <a:solidFill>
+                <a:schemeClr val="bg1"/>
+              </a:solidFill>
+            </a:endParaRPr>
+          </a:p>
+        </p:txBody>
+      </p:sp>
+      <p:sp>
+        <p:nvSpPr>
+          <p:cNvPr id="3" name="Content Placeholder 2"/>
+          <p:cNvSpPr>
+            <a:spLocks noGrp="1"/>
+          </p:cNvSpPr>
+          <p:nvPr>
+            <p:ph idx="1"/>
+          </p:nvPr>
+        </p:nvSpPr>
+        <p:spPr>
+          <a:solidFill>
+            <a:schemeClr val="accent1">
+              <a:lumMod val="50000"/>
+              <a:alpha val="91000"/>
+            </a:schemeClr>
+          </a:solidFill>
+          <a:effectLst>
+            <a:softEdge rad="31750"/>
+          </a:effectLst>
+        </p:spPr>
+        <p:txBody>
+          <a:bodyPr/>
+          <a:lstStyle/>
+          <a:p>
+            <a:r>
+              <a:rPr lang="en-US" dirty="0" smtClean="0">
+                <a:solidFill>
+                  <a:schemeClr val="bg1"/>
+                </a:solidFill>
+              </a:rPr>
+              <a:t>Problem - Solution</a:t>
+            </a:r>
+            <a:endParaRPr lang="en-US" dirty="0" smtClean="0">
+              <a:solidFill>
+                <a:schemeClr val="bg1"/>
+              </a:solidFill>
+            </a:endParaRPr>
+          </a:p>
+          <a:p>
+            <a:r>
+              <a:rPr lang="en-US" dirty="0" smtClean="0">
+                <a:solidFill>
+                  <a:schemeClr val="bg1"/>
+                </a:solidFill>
+              </a:rPr>
+              <a:t>Technologies</a:t>
+            </a:r>
+            <a:r>
+              <a:rPr lang="en-US" dirty="0" smtClean="0">
+                <a:solidFill>
+                  <a:schemeClr val="bg1"/>
+                </a:solidFill>
+              </a:rPr>
+              <a:t> </a:t>
+            </a:r>
+            <a:endParaRPr lang="en-US" dirty="0" smtClean="0">
+              <a:solidFill>
+                <a:schemeClr val="bg1"/>
+              </a:solidFill>
+            </a:endParaRPr>
+          </a:p>
+          <a:p>
+            <a:r>
+              <a:rPr lang="en-US" dirty="0" smtClean="0">
+                <a:solidFill>
+                  <a:schemeClr val="bg1"/>
+                </a:solidFill>
+              </a:rPr>
+              <a:t>Front End</a:t>
+            </a:r>
+          </a:p>
+          <a:p>
+            <a:r>
+              <a:rPr lang="en-US" dirty="0" smtClean="0">
+                <a:solidFill>
+                  <a:schemeClr val="bg1"/>
+                </a:solidFill>
+              </a:rPr>
+              <a:t>Back End</a:t>
+            </a:r>
+          </a:p>
+          <a:p>
+            <a:r>
+              <a:rPr lang="en-US" dirty="0" smtClean="0">
+                <a:solidFill>
+                  <a:schemeClr val="bg1"/>
+                </a:solidFill>
+              </a:rPr>
+              <a:t>DEMO</a:t>
+            </a:r>
+          </a:p>
+          <a:p>
+            <a:r>
+              <a:rPr lang="en-US" dirty="0" smtClean="0">
+                <a:solidFill>
+                  <a:schemeClr val="bg1"/>
+                </a:solidFill>
+              </a:rPr>
+              <a:t>Q&amp;A</a:t>
+            </a:r>
+            <a:endParaRPr lang="en-US" dirty="0">
+              <a:solidFill>
+                <a:schemeClr val="bg1"/>
+              </a:solidFill>
+            </a:endParaRPr>
+          </a:p>
+        </p:txBody>
+      </p:sp>
+    </p:spTree>
+    <p:extLst>
+      <p:ext uri="{BB962C8B-B14F-4D97-AF65-F5344CB8AC3E}">
+        <p14:creationId xmlns:p14="http://schemas.microsoft.com/office/powerpoint/2010/main" val="731827086"/>
+      </p:ext>
+    </p:extLst>
+  </p:cSld>
+  <p:clrMapOvr>
+    <a:masterClrMapping/>
+  </p:clrMapOvr>
+</p:sld>
+</file>
+
+<file path=ppt/slides/slide4.xml><?xml version="1.0" encoding="utf-8"?>
+<p:sld xmlns:a="http://schemas.openxmlformats.org/drawingml/2006/main" xmlns:r="http://schemas.openxmlformats.org/officeDocument/2006/relationships" xmlns:p="http://schemas.openxmlformats.org/presentationml/2006/main">
+  <p:cSld>
+    <p:spTree>
+      <p:nvGrpSpPr>
+        <p:cNvPr id="1" name=""/>
+        <p:cNvGrpSpPr/>
+        <p:nvPr/>
+      </p:nvGrpSpPr>
+      <p:grpSpPr>
+        <a:xfrm>
+          <a:off x="0" y="0"/>
+          <a:ext cx="0" cy="0"/>
+          <a:chOff x="0" y="0"/>
+          <a:chExt cx="0" cy="0"/>
+        </a:xfrm>
+      </p:grpSpPr>
+      <p:pic>
+        <p:nvPicPr>
+          <p:cNvPr id="4" name="Picture 3"/>
+          <p:cNvPicPr>
+            <a:picLocks noChangeAspect="1"/>
+          </p:cNvPicPr>
+          <p:nvPr/>
+        </p:nvPicPr>
+        <p:blipFill>
+          <a:blip r:embed="rId2">
+            <a:extLst>
+              <a:ext uri="{28A0092B-C50C-407E-A947-70E740481C1C}">
+                <a14:useLocalDpi xmlns:a14="http://schemas.microsoft.com/office/drawing/2010/main" val="0"/>
+              </a:ext>
+            </a:extLst>
+          </a:blip>
+          <a:stretch>
+            <a:fillRect/>
+          </a:stretch>
+        </p:blipFill>
+        <p:spPr>
+          <a:xfrm>
+            <a:off x="0" y="0"/>
+            <a:ext cx="12192000" cy="6858000"/>
+          </a:xfrm>
+          <a:prstGeom prst="rect">
+            <a:avLst/>
+          </a:prstGeom>
+        </p:spPr>
+      </p:pic>
+      <p:sp>
+        <p:nvSpPr>
+          <p:cNvPr id="2" name="Title 1"/>
+          <p:cNvSpPr>
+            <a:spLocks noGrp="1"/>
+          </p:cNvSpPr>
+          <p:nvPr>
+            <p:ph type="title"/>
+          </p:nvPr>
+        </p:nvSpPr>
+        <p:spPr>
+          <a:solidFill>
+            <a:schemeClr val="accent1">
+              <a:lumMod val="50000"/>
+              <a:alpha val="90000"/>
+            </a:schemeClr>
+          </a:solidFill>
+          <a:effectLst>
+            <a:softEdge rad="31750"/>
+          </a:effectLst>
+        </p:spPr>
+        <p:txBody>
+          <a:bodyPr/>
+          <a:lstStyle/>
+          <a:p>
+            <a:r>
+              <a:rPr lang="en-US" dirty="0" smtClean="0">
+                <a:solidFill>
+                  <a:schemeClr val="bg1"/>
+                </a:solidFill>
+              </a:rPr>
+              <a:t>PROBLEM</a:t>
+            </a:r>
+            <a:endParaRPr lang="en-US" dirty="0">
+              <a:solidFill>
+                <a:schemeClr val="bg1"/>
+              </a:solidFill>
+            </a:endParaRPr>
+          </a:p>
+        </p:txBody>
+      </p:sp>
+      <p:sp>
+        <p:nvSpPr>
+          <p:cNvPr id="3" name="Content Placeholder 2"/>
+          <p:cNvSpPr>
+            <a:spLocks noGrp="1"/>
+          </p:cNvSpPr>
+          <p:nvPr>
+            <p:ph idx="1"/>
+          </p:nvPr>
+        </p:nvSpPr>
+        <p:spPr>
+          <a:solidFill>
+            <a:schemeClr val="accent1">
+              <a:lumMod val="50000"/>
+              <a:alpha val="91000"/>
+            </a:schemeClr>
+          </a:solidFill>
+          <a:effectLst>
+            <a:softEdge rad="31750"/>
+          </a:effectLst>
+        </p:spPr>
+        <p:txBody>
+          <a:bodyPr/>
+          <a:lstStyle/>
+          <a:p>
+            <a:endParaRPr lang="en-US" dirty="0">
+              <a:solidFill>
+                <a:schemeClr val="bg1"/>
+              </a:solidFill>
+            </a:endParaRPr>
+          </a:p>
+        </p:txBody>
+      </p:sp>
+    </p:spTree>
+    <p:extLst>
+      <p:ext uri="{BB962C8B-B14F-4D97-AF65-F5344CB8AC3E}">
+        <p14:creationId xmlns:p14="http://schemas.microsoft.com/office/powerpoint/2010/main" val="1178988033"/>
+      </p:ext>
+    </p:extLst>
+  </p:cSld>
+  <p:clrMapOvr>
+    <a:masterClrMapping/>
+  </p:clrMapOvr>
+</p:sld>
+</file>
+
+<file path=ppt/slides/slide5.xml><?xml version="1.0" encoding="utf-8"?>
+<p:sld xmlns:a="http://schemas.openxmlformats.org/drawingml/2006/main" xmlns:r="http://schemas.openxmlformats.org/officeDocument/2006/relationships" xmlns:p="http://schemas.openxmlformats.org/presentationml/2006/main">
+  <p:cSld>
+    <p:spTree>
+      <p:nvGrpSpPr>
+        <p:cNvPr id="1" name=""/>
+        <p:cNvGrpSpPr/>
+        <p:nvPr/>
+      </p:nvGrpSpPr>
+      <p:grpSpPr>
+        <a:xfrm>
+          <a:off x="0" y="0"/>
+          <a:ext cx="0" cy="0"/>
+          <a:chOff x="0" y="0"/>
+          <a:chExt cx="0" cy="0"/>
+        </a:xfrm>
+      </p:grpSpPr>
+      <p:pic>
+        <p:nvPicPr>
+          <p:cNvPr id="4" name="Picture 3"/>
+          <p:cNvPicPr>
+            <a:picLocks noChangeAspect="1"/>
+          </p:cNvPicPr>
+          <p:nvPr/>
+        </p:nvPicPr>
+        <p:blipFill>
+          <a:blip r:embed="rId2">
+            <a:extLst>
+              <a:ext uri="{28A0092B-C50C-407E-A947-70E740481C1C}">
+                <a14:useLocalDpi xmlns:a14="http://schemas.microsoft.com/office/drawing/2010/main" val="0"/>
+              </a:ext>
+            </a:extLst>
+          </a:blip>
+          <a:stretch>
+            <a:fillRect/>
+          </a:stretch>
+        </p:blipFill>
+        <p:spPr>
+          <a:xfrm>
+            <a:off x="0" y="0"/>
+            <a:ext cx="12192000" cy="6858000"/>
+          </a:xfrm>
+          <a:prstGeom prst="rect">
+            <a:avLst/>
+          </a:prstGeom>
+        </p:spPr>
+      </p:pic>
+      <p:sp>
+        <p:nvSpPr>
+          <p:cNvPr id="2" name="Title 1"/>
+          <p:cNvSpPr>
+            <a:spLocks noGrp="1"/>
+          </p:cNvSpPr>
+          <p:nvPr>
+            <p:ph type="title"/>
+          </p:nvPr>
+        </p:nvSpPr>
+        <p:spPr>
+          <a:solidFill>
+            <a:schemeClr val="accent1">
+              <a:lumMod val="50000"/>
+              <a:alpha val="90000"/>
+            </a:schemeClr>
+          </a:solidFill>
+          <a:effectLst>
+            <a:softEdge rad="31750"/>
+          </a:effectLst>
+        </p:spPr>
+        <p:txBody>
+          <a:bodyPr/>
+          <a:lstStyle/>
+          <a:p>
+            <a:r>
+              <a:rPr lang="en-US" dirty="0" smtClean="0">
+                <a:solidFill>
+                  <a:schemeClr val="bg1"/>
+                </a:solidFill>
+              </a:rPr>
+              <a:t>SOLUTION</a:t>
+            </a:r>
+            <a:endParaRPr lang="en-US" dirty="0">
+              <a:solidFill>
+                <a:schemeClr val="bg1"/>
+              </a:solidFill>
+            </a:endParaRPr>
+          </a:p>
+        </p:txBody>
+      </p:sp>
+      <p:sp>
+        <p:nvSpPr>
+          <p:cNvPr id="3" name="Content Placeholder 2"/>
+          <p:cNvSpPr>
+            <a:spLocks noGrp="1"/>
+          </p:cNvSpPr>
+          <p:nvPr>
+            <p:ph idx="1"/>
+          </p:nvPr>
+        </p:nvSpPr>
+        <p:spPr>
+          <a:solidFill>
+            <a:schemeClr val="accent1">
+              <a:lumMod val="50000"/>
+              <a:alpha val="91000"/>
+            </a:schemeClr>
+          </a:solidFill>
+          <a:effectLst>
+            <a:softEdge rad="31750"/>
+          </a:effectLst>
+        </p:spPr>
+        <p:txBody>
+          <a:bodyPr/>
+          <a:lstStyle/>
+          <a:p>
+            <a:endParaRPr lang="en-US" dirty="0">
+              <a:solidFill>
+                <a:schemeClr val="bg1"/>
+              </a:solidFill>
+            </a:endParaRPr>
+          </a:p>
+        </p:txBody>
+      </p:sp>
+    </p:spTree>
+    <p:extLst>
+      <p:ext uri="{BB962C8B-B14F-4D97-AF65-F5344CB8AC3E}">
+        <p14:creationId xmlns:p14="http://schemas.microsoft.com/office/powerpoint/2010/main" val="420259762"/>
+      </p:ext>
+    </p:extLst>
+  </p:cSld>
+  <p:clrMapOvr>
+    <a:masterClrMapping/>
+  </p:clrMapOvr>
+</p:sld>
+</file>
+
+<file path=ppt/slides/slide6.xml><?xml version="1.0" encoding="utf-8"?>
+<p:sld xmlns:a="http://schemas.openxmlformats.org/drawingml/2006/main" xmlns:r="http://schemas.openxmlformats.org/officeDocument/2006/relationships" xmlns:p="http://schemas.openxmlformats.org/presentationml/2006/main">
+  <p:cSld>
+    <p:spTree>
+      <p:nvGrpSpPr>
+        <p:cNvPr id="1" name=""/>
+        <p:cNvGrpSpPr/>
+        <p:nvPr/>
+      </p:nvGrpSpPr>
+      <p:grpSpPr>
+        <a:xfrm>
+          <a:off x="0" y="0"/>
+          <a:ext cx="0" cy="0"/>
+          <a:chOff x="0" y="0"/>
+          <a:chExt cx="0" cy="0"/>
+        </a:xfrm>
+      </p:grpSpPr>
+      <p:pic>
+        <p:nvPicPr>
+          <p:cNvPr id="4" name="Picture 3"/>
+          <p:cNvPicPr>
+            <a:picLocks noChangeAspect="1"/>
+          </p:cNvPicPr>
+          <p:nvPr/>
+        </p:nvPicPr>
+        <p:blipFill>
+          <a:blip r:embed="rId2">
+            <a:extLst>
+              <a:ext uri="{28A0092B-C50C-407E-A947-70E740481C1C}">
+                <a14:useLocalDpi xmlns:a14="http://schemas.microsoft.com/office/drawing/2010/main" val="0"/>
+              </a:ext>
+            </a:extLst>
+          </a:blip>
+          <a:stretch>
+            <a:fillRect/>
+          </a:stretch>
+        </p:blipFill>
+        <p:spPr>
+          <a:xfrm>
+            <a:off x="0" y="0"/>
+            <a:ext cx="12192000" cy="6858000"/>
+          </a:xfrm>
+          <a:prstGeom prst="rect">
+            <a:avLst/>
+          </a:prstGeom>
+        </p:spPr>
+      </p:pic>
+      <p:sp>
+        <p:nvSpPr>
+          <p:cNvPr id="2" name="Title 1"/>
+          <p:cNvSpPr>
+            <a:spLocks noGrp="1"/>
+          </p:cNvSpPr>
+          <p:nvPr>
+            <p:ph type="title"/>
+          </p:nvPr>
+        </p:nvSpPr>
+        <p:spPr>
+          <a:solidFill>
+            <a:schemeClr val="accent1">
+              <a:lumMod val="50000"/>
+              <a:alpha val="90000"/>
+            </a:schemeClr>
+          </a:solidFill>
+          <a:effectLst>
+            <a:softEdge rad="31750"/>
+          </a:effectLst>
+        </p:spPr>
+        <p:txBody>
+          <a:bodyPr/>
+          <a:lstStyle/>
+          <a:p>
+            <a:r>
+              <a:rPr lang="en-US" dirty="0" smtClean="0">
+                <a:solidFill>
+                  <a:schemeClr val="bg1"/>
+                </a:solidFill>
+              </a:rPr>
+              <a:t>Technologies Used</a:t>
+            </a:r>
+            <a:endParaRPr lang="en-US" dirty="0">
+              <a:solidFill>
+                <a:schemeClr val="bg1"/>
+              </a:solidFill>
+            </a:endParaRPr>
+          </a:p>
+        </p:txBody>
+      </p:sp>
+      <p:sp>
+        <p:nvSpPr>
+          <p:cNvPr id="3" name="Content Placeholder 2"/>
+          <p:cNvSpPr>
+            <a:spLocks noGrp="1"/>
+          </p:cNvSpPr>
+          <p:nvPr>
+            <p:ph idx="1"/>
+          </p:nvPr>
+        </p:nvSpPr>
+        <p:spPr>
+          <a:solidFill>
+            <a:schemeClr val="accent1">
+              <a:lumMod val="50000"/>
+              <a:alpha val="91000"/>
+            </a:schemeClr>
+          </a:solidFill>
+          <a:effectLst>
+            <a:softEdge rad="31750"/>
+          </a:effectLst>
+        </p:spPr>
+        <p:txBody>
+          <a:bodyPr/>
+          <a:lstStyle/>
+          <a:p>
+            <a:endParaRPr lang="en-US" dirty="0">
+              <a:solidFill>
+                <a:schemeClr val="bg1"/>
+              </a:solidFill>
+            </a:endParaRPr>
+          </a:p>
+        </p:txBody>
+      </p:sp>
+    </p:spTree>
+    <p:extLst>
+      <p:ext uri="{BB962C8B-B14F-4D97-AF65-F5344CB8AC3E}">
+        <p14:creationId xmlns:p14="http://schemas.microsoft.com/office/powerpoint/2010/main" val="884528128"/>
+      </p:ext>
+    </p:extLst>
+  </p:cSld>
+  <p:clrMapOvr>
+    <a:masterClrMapping/>
+  </p:clrMapOvr>
+</p:sld>
+</file>
+
+<file path=ppt/slides/slide7.xml><?xml version="1.0" encoding="utf-8"?>
+<p:sld xmlns:a="http://schemas.openxmlformats.org/drawingml/2006/main" xmlns:r="http://schemas.openxmlformats.org/officeDocument/2006/relationships" xmlns:p="http://schemas.openxmlformats.org/presentationml/2006/main">
+  <p:cSld>
+    <p:spTree>
+      <p:nvGrpSpPr>
+        <p:cNvPr id="1" name=""/>
+        <p:cNvGrpSpPr/>
+        <p:nvPr/>
+      </p:nvGrpSpPr>
+      <p:grpSpPr>
+        <a:xfrm>
+          <a:off x="0" y="0"/>
+          <a:ext cx="0" cy="0"/>
+          <a:chOff x="0" y="0"/>
+          <a:chExt cx="0" cy="0"/>
+        </a:xfrm>
+      </p:grpSpPr>
+      <p:pic>
+        <p:nvPicPr>
+          <p:cNvPr id="4" name="Picture 3"/>
+          <p:cNvPicPr>
+            <a:picLocks noChangeAspect="1"/>
+          </p:cNvPicPr>
+          <p:nvPr/>
+        </p:nvPicPr>
+        <p:blipFill>
+          <a:blip r:embed="rId2">
+            <a:extLst>
+              <a:ext uri="{28A0092B-C50C-407E-A947-70E740481C1C}">
+                <a14:useLocalDpi xmlns:a14="http://schemas.microsoft.com/office/drawing/2010/main" val="0"/>
+              </a:ext>
+            </a:extLst>
+          </a:blip>
+          <a:stretch>
+            <a:fillRect/>
+          </a:stretch>
+        </p:blipFill>
+        <p:spPr>
+          <a:xfrm>
+            <a:off x="0" y="0"/>
+            <a:ext cx="12192000" cy="6858000"/>
+          </a:xfrm>
+          <a:prstGeom prst="rect">
+            <a:avLst/>
+          </a:prstGeom>
+        </p:spPr>
+      </p:pic>
+      <p:sp>
+        <p:nvSpPr>
+          <p:cNvPr id="2" name="Title 1"/>
+          <p:cNvSpPr>
+            <a:spLocks noGrp="1"/>
+          </p:cNvSpPr>
+          <p:nvPr>
+            <p:ph type="title"/>
+          </p:nvPr>
+        </p:nvSpPr>
+        <p:spPr>
+          <a:solidFill>
+            <a:schemeClr val="accent1">
+              <a:lumMod val="50000"/>
+              <a:alpha val="90000"/>
+            </a:schemeClr>
+          </a:solidFill>
+          <a:effectLst>
+            <a:softEdge rad="31750"/>
+          </a:effectLst>
+        </p:spPr>
+        <p:txBody>
+          <a:bodyPr/>
+          <a:lstStyle/>
+          <a:p>
+            <a:r>
+              <a:rPr lang="en-US" dirty="0" smtClean="0">
+                <a:solidFill>
+                  <a:schemeClr val="bg1"/>
+                </a:solidFill>
+              </a:rPr>
+              <a:t>Front End</a:t>
+            </a:r>
+            <a:endParaRPr lang="en-US" dirty="0">
+              <a:solidFill>
+                <a:schemeClr val="bg1"/>
+              </a:solidFill>
+            </a:endParaRPr>
+          </a:p>
+        </p:txBody>
+      </p:sp>
+      <p:sp>
+        <p:nvSpPr>
+          <p:cNvPr id="3" name="Content Placeholder 2"/>
+          <p:cNvSpPr>
+            <a:spLocks noGrp="1"/>
+          </p:cNvSpPr>
+          <p:nvPr>
+            <p:ph idx="1"/>
+          </p:nvPr>
+        </p:nvSpPr>
+        <p:spPr>
+          <a:solidFill>
+            <a:schemeClr val="accent1">
+              <a:lumMod val="50000"/>
+              <a:alpha val="91000"/>
+            </a:schemeClr>
+          </a:solidFill>
+          <a:effectLst>
+            <a:softEdge rad="31750"/>
+          </a:effectLst>
+        </p:spPr>
+        <p:txBody>
+          <a:bodyPr/>
+          <a:lstStyle/>
+          <a:p>
+            <a:endParaRPr lang="en-US" dirty="0">
+              <a:solidFill>
+                <a:schemeClr val="bg1"/>
+              </a:solidFill>
+            </a:endParaRPr>
+          </a:p>
+        </p:txBody>
+      </p:sp>
+    </p:spTree>
+    <p:extLst>
+      <p:ext uri="{BB962C8B-B14F-4D97-AF65-F5344CB8AC3E}">
+        <p14:creationId xmlns:p14="http://schemas.microsoft.com/office/powerpoint/2010/main" val="1382442762"/>
+      </p:ext>
+    </p:extLst>
+  </p:cSld>
+  <p:clrMapOvr>
+    <a:masterClrMapping/>
+  </p:clrMapOvr>
+</p:sld>
+</file>
+
+<file path=ppt/slides/slide8.xml><?xml version="1.0" encoding="utf-8"?>
+<p:sld xmlns:a="http://schemas.openxmlformats.org/drawingml/2006/main" xmlns:r="http://schemas.openxmlformats.org/officeDocument/2006/relationships" xmlns:p="http://schemas.openxmlformats.org/presentationml/2006/main">
+  <p:cSld>
+    <p:spTree>
+      <p:nvGrpSpPr>
+        <p:cNvPr id="1" name=""/>
+        <p:cNvGrpSpPr/>
+        <p:nvPr/>
+      </p:nvGrpSpPr>
+      <p:grpSpPr>
+        <a:xfrm>
+          <a:off x="0" y="0"/>
+          <a:ext cx="0" cy="0"/>
+          <a:chOff x="0" y="0"/>
+          <a:chExt cx="0" cy="0"/>
+        </a:xfrm>
+      </p:grpSpPr>
+      <p:pic>
+        <p:nvPicPr>
+          <p:cNvPr id="4" name="Picture 3"/>
+          <p:cNvPicPr>
+            <a:picLocks noChangeAspect="1"/>
+          </p:cNvPicPr>
+          <p:nvPr/>
+        </p:nvPicPr>
+        <p:blipFill>
+          <a:blip r:embed="rId2">
+            <a:extLst>
+              <a:ext uri="{28A0092B-C50C-407E-A947-70E740481C1C}">
+                <a14:useLocalDpi xmlns:a14="http://schemas.microsoft.com/office/drawing/2010/main" val="0"/>
+              </a:ext>
+            </a:extLst>
+          </a:blip>
+          <a:stretch>
+            <a:fillRect/>
+          </a:stretch>
+        </p:blipFill>
+        <p:spPr>
+          <a:xfrm>
+            <a:off x="0" y="0"/>
+            <a:ext cx="12192000" cy="6858000"/>
+          </a:xfrm>
+          <a:prstGeom prst="rect">
+            <a:avLst/>
+          </a:prstGeom>
+        </p:spPr>
+      </p:pic>
+      <p:sp>
+        <p:nvSpPr>
+          <p:cNvPr id="2" name="Title 1"/>
+          <p:cNvSpPr>
+            <a:spLocks noGrp="1"/>
+          </p:cNvSpPr>
+          <p:nvPr>
+            <p:ph type="title"/>
+          </p:nvPr>
+        </p:nvSpPr>
+        <p:spPr>
+          <a:solidFill>
+            <a:schemeClr val="accent1">
+              <a:lumMod val="50000"/>
+              <a:alpha val="90000"/>
+            </a:schemeClr>
+          </a:solidFill>
+          <a:effectLst>
+            <a:softEdge rad="31750"/>
+          </a:effectLst>
+        </p:spPr>
+        <p:txBody>
+          <a:bodyPr/>
+          <a:lstStyle/>
+          <a:p>
+            <a:r>
+              <a:rPr lang="en-US" dirty="0" smtClean="0">
+                <a:solidFill>
+                  <a:schemeClr val="bg1"/>
+                </a:solidFill>
+              </a:rPr>
+              <a:t>Back End</a:t>
+            </a:r>
+            <a:endParaRPr lang="en-US" dirty="0">
+              <a:solidFill>
+                <a:schemeClr val="bg1"/>
+              </a:solidFill>
+            </a:endParaRPr>
+          </a:p>
+        </p:txBody>
+      </p:sp>
+      <p:sp>
+        <p:nvSpPr>
+          <p:cNvPr id="3" name="Content Placeholder 2"/>
+          <p:cNvSpPr>
+            <a:spLocks noGrp="1"/>
+          </p:cNvSpPr>
+          <p:nvPr>
+            <p:ph idx="1"/>
+          </p:nvPr>
+        </p:nvSpPr>
+        <p:spPr>
+          <a:solidFill>
+            <a:schemeClr val="accent1">
+              <a:lumMod val="50000"/>
+              <a:alpha val="91000"/>
+            </a:schemeClr>
+          </a:solidFill>
+          <a:effectLst>
+            <a:softEdge rad="31750"/>
+          </a:effectLst>
+        </p:spPr>
+        <p:txBody>
+          <a:bodyPr/>
+          <a:lstStyle/>
+          <a:p>
+            <a:endParaRPr lang="en-US" dirty="0">
+              <a:solidFill>
+                <a:schemeClr val="bg1"/>
+              </a:solidFill>
+            </a:endParaRPr>
+          </a:p>
+        </p:txBody>
+      </p:sp>
+    </p:spTree>
+    <p:extLst>
+      <p:ext uri="{BB962C8B-B14F-4D97-AF65-F5344CB8AC3E}">
+        <p14:creationId xmlns:p14="http://schemas.microsoft.com/office/powerpoint/2010/main" val="891466660"/>
+      </p:ext>
+    </p:extLst>
+  </p:cSld>
+  <p:clrMapOvr>
+    <a:masterClrMapping/>
+  </p:clrMapOvr>
+</p:sld>
+</file>
+
+<file path=ppt/slides/slide9.xml><?xml version="1.0" encoding="utf-8"?>
+<p:sld xmlns:a="http://schemas.openxmlformats.org/drawingml/2006/main" xmlns:r="http://schemas.openxmlformats.org/officeDocument/2006/relationships" xmlns:p="http://schemas.openxmlformats.org/presentationml/2006/main">
+  <p:cSld>
+    <p:spTree>
+      <p:nvGrpSpPr>
+        <p:cNvPr id="1" name=""/>
+        <p:cNvGrpSpPr/>
+        <p:nvPr/>
+      </p:nvGrpSpPr>
+      <p:grpSpPr>
+        <a:xfrm>
+          <a:off x="0" y="0"/>
+          <a:ext cx="0" cy="0"/>
+          <a:chOff x="0" y="0"/>
+          <a:chExt cx="0" cy="0"/>
+        </a:xfrm>
+      </p:grpSpPr>
+      <p:pic>
+        <p:nvPicPr>
+          <p:cNvPr id="4" name="Picture 3"/>
+          <p:cNvPicPr>
+            <a:picLocks noChangeAspect="1"/>
+          </p:cNvPicPr>
+          <p:nvPr/>
+        </p:nvPicPr>
+        <p:blipFill>
+          <a:blip r:embed="rId2">
+            <a:extLst>
+              <a:ext uri="{28A0092B-C50C-407E-A947-70E740481C1C}">
+                <a14:useLocalDpi xmlns:a14="http://schemas.microsoft.com/office/drawing/2010/main" val="0"/>
+              </a:ext>
+            </a:extLst>
+          </a:blip>
+          <a:stretch>
+            <a:fillRect/>
+          </a:stretch>
+        </p:blipFill>
+        <p:spPr>
+          <a:xfrm>
+            <a:off x="0" y="0"/>
+            <a:ext cx="12192000" cy="6858000"/>
+          </a:xfrm>
+          <a:prstGeom prst="rect">
+            <a:avLst/>
+          </a:prstGeom>
+        </p:spPr>
+      </p:pic>
+      <p:sp>
+        <p:nvSpPr>
+          <p:cNvPr id="2" name="Title 1"/>
+          <p:cNvSpPr>
+            <a:spLocks noGrp="1"/>
+          </p:cNvSpPr>
+          <p:nvPr>
+            <p:ph type="title"/>
+          </p:nvPr>
+        </p:nvSpPr>
+        <p:spPr>
+          <a:solidFill>
+            <a:schemeClr val="accent1">
+              <a:lumMod val="50000"/>
+              <a:alpha val="90000"/>
+            </a:schemeClr>
+          </a:solidFill>
+          <a:effectLst>
+            <a:softEdge rad="31750"/>
+          </a:effectLst>
+        </p:spPr>
+        <p:txBody>
+          <a:bodyPr/>
+          <a:lstStyle/>
+          <a:p>
+            <a:r>
+              <a:rPr lang="en-US" dirty="0" smtClean="0">
+                <a:solidFill>
+                  <a:schemeClr val="bg1"/>
+                </a:solidFill>
+              </a:rPr>
+              <a:t>DEMO </a:t>
+            </a:r>
+            <a:endParaRPr lang="en-US" dirty="0">
+              <a:solidFill>
+                <a:schemeClr val="bg1"/>
+              </a:solidFill>
+            </a:endParaRPr>
+          </a:p>
+        </p:txBody>
+      </p:sp>
+      <p:sp>
+        <p:nvSpPr>
+          <p:cNvPr id="3" name="Content Placeholder 2"/>
+          <p:cNvSpPr>
+            <a:spLocks noGrp="1"/>
+          </p:cNvSpPr>
+          <p:nvPr>
+            <p:ph idx="1"/>
+          </p:nvPr>
+        </p:nvSpPr>
+        <p:spPr>
+          <a:solidFill>
+            <a:schemeClr val="accent1">
+              <a:lumMod val="50000"/>
+              <a:alpha val="91000"/>
+            </a:schemeClr>
+          </a:solidFill>
+          <a:effectLst>
+            <a:softEdge rad="31750"/>
+          </a:effectLst>
+        </p:spPr>
+        <p:txBody>
+          <a:bodyPr/>
+          <a:lstStyle/>
+          <a:p>
+            <a:endParaRPr lang="en-US" dirty="0">
+              <a:solidFill>
+                <a:schemeClr val="bg1"/>
+              </a:solidFill>
+            </a:endParaRPr>
+          </a:p>
+        </p:txBody>
+      </p:sp>
+    </p:spTree>
+    <p:extLst>
+      <p:ext uri="{BB962C8B-B14F-4D97-AF65-F5344CB8AC3E}">
+        <p14:creationId xmlns:p14="http://schemas.microsoft.com/office/powerpoint/2010/main" val="2034233148"/>
       </p:ext>
     </p:extLst>
   </p:cSld>
